--- a/sprint-1/team_review.pptx
+++ b/sprint-1/team_review.pptx
@@ -5606,10 +5606,10 @@
               <a:buNone/>
             </a:pPr>
             <a:r>
-              <a:rPr lang="en"/>
+              <a:rPr lang="en" b="1" dirty="0"/>
               <a:t>Team Review Meeting</a:t>
             </a:r>
-            <a:endParaRPr/>
+            <a:endParaRPr b="1" dirty="0"/>
           </a:p>
         </p:txBody>
       </p:sp>
@@ -5620,14 +5620,14 @@
           <p:nvPr>
             <p:extLst>
               <p:ext uri="{D42A27DB-BD31-4B8C-83A1-F6EECF244321}">
-                <p14:modId xmlns:p14="http://schemas.microsoft.com/office/powerpoint/2010/main" val="4101107171"/>
+                <p14:modId xmlns:p14="http://schemas.microsoft.com/office/powerpoint/2010/main" val="3880931700"/>
               </p:ext>
             </p:extLst>
           </p:nvPr>
         </p:nvGraphicFramePr>
         <p:xfrm>
-          <a:off x="453482" y="1249375"/>
-          <a:ext cx="8162694" cy="3657540"/>
+          <a:off x="311700" y="1017725"/>
+          <a:ext cx="8520600" cy="3862871"/>
         </p:xfrm>
         <a:graphic>
           <a:graphicData uri="http://schemas.openxmlformats.org/drawingml/2006/table">
@@ -5637,14 +5637,14 @@
                 <a:tableStyleId>{3EACB621-0D06-4155-B42C-C01728FB47A3}</a:tableStyleId>
               </a:tblPr>
               <a:tblGrid>
-                <a:gridCol w="4081347">
+                <a:gridCol w="4252048">
                   <a:extLst>
                     <a:ext uri="{9D8B030D-6E8A-4147-A177-3AD203B41FA5}">
                       <a16:colId xmlns:a16="http://schemas.microsoft.com/office/drawing/2014/main" val="20000"/>
                     </a:ext>
                   </a:extLst>
                 </a:gridCol>
-                <a:gridCol w="4081347">
+                <a:gridCol w="4268552">
                   <a:extLst>
                     <a:ext uri="{9D8B030D-6E8A-4147-A177-3AD203B41FA5}">
                       <a16:colId xmlns:a16="http://schemas.microsoft.com/office/drawing/2014/main" val="20001"/>
@@ -5652,7 +5652,7 @@
                   </a:extLst>
                 </a:gridCol>
               </a:tblGrid>
-              <a:tr h="381000">
+              <a:tr h="2002014">
                 <a:tc>
                   <a:txBody>
                     <a:bodyPr/>
@@ -5668,10 +5668,14 @@
                         <a:buNone/>
                       </a:pPr>
                       <a:r>
-                        <a:rPr lang="en" sz="1200" b="1" u="sng" dirty="0"/>
+                        <a:rPr lang="en" sz="1200" b="1" u="none" dirty="0">
+                          <a:latin typeface="+mn-lt"/>
+                        </a:rPr>
                         <a:t>Overview</a:t>
                       </a:r>
-                      <a:endParaRPr sz="1200" dirty="0"/>
+                      <a:endParaRPr sz="1200" u="none" dirty="0">
+                        <a:latin typeface="+mn-lt"/>
+                      </a:endParaRPr>
                     </a:p>
                     <a:p>
                       <a:pPr marL="0" lvl="0" indent="0" algn="l" rtl="0">
@@ -5683,37 +5687,110 @@
                         </a:spcAft>
                         <a:buNone/>
                       </a:pPr>
-                      <a:endParaRPr sz="1200" dirty="0"/>
+                      <a:endParaRPr sz="1200" dirty="0">
+                        <a:latin typeface="+mn-lt"/>
+                      </a:endParaRPr>
                     </a:p>
                     <a:p>
-                      <a:pPr marL="0" lvl="0" indent="0" algn="l" rtl="0">
+                      <a:pPr marL="171450" lvl="0" indent="-171450" algn="l" rtl="0">
                         <a:spcBef>
                           <a:spcPts val="0"/>
                         </a:spcBef>
                         <a:spcAft>
                           <a:spcPts val="0"/>
                         </a:spcAft>
-                        <a:buNone/>
+                        <a:buFont typeface="Arial" panose="020B0604020202020204" pitchFamily="34" charset="0"/>
+                        <a:buChar char="•"/>
                       </a:pPr>
                       <a:r>
-                        <a:rPr lang="en" sz="1200" dirty="0"/>
-                        <a:t>Sprint:</a:t>
+                        <a:rPr lang="en" sz="1200" dirty="0">
+                          <a:latin typeface="+mn-lt"/>
+                        </a:rPr>
+                        <a:t>Sprint: 1</a:t>
                       </a:r>
-                      <a:endParaRPr sz="1200" dirty="0"/>
+                      <a:endParaRPr sz="1200" dirty="0">
+                        <a:latin typeface="+mn-lt"/>
+                      </a:endParaRPr>
                     </a:p>
                     <a:p>
-                      <a:pPr marL="0" lvl="0" indent="0" algn="l" rtl="0">
+                      <a:pPr marL="171450" lvl="0" indent="-171450" algn="l" rtl="0">
                         <a:spcBef>
                           <a:spcPts val="0"/>
                         </a:spcBef>
                         <a:spcAft>
                           <a:spcPts val="0"/>
                         </a:spcAft>
-                        <a:buNone/>
+                        <a:buFont typeface="Arial" panose="020B0604020202020204" pitchFamily="34" charset="0"/>
+                        <a:buChar char="•"/>
                       </a:pPr>
                       <a:r>
-                        <a:rPr lang="en" sz="1200" dirty="0"/>
-                        <a:t>Team #:</a:t>
+                        <a:rPr lang="en" sz="1200" dirty="0">
+                          <a:latin typeface="+mn-lt"/>
+                        </a:rPr>
+                        <a:t>Team #: 3</a:t>
+                      </a:r>
+                    </a:p>
+                    <a:p>
+                      <a:pPr marL="171450" lvl="0" indent="-171450" algn="l" rtl="0">
+                        <a:spcBef>
+                          <a:spcPts val="0"/>
+                        </a:spcBef>
+                        <a:spcAft>
+                          <a:spcPts val="0"/>
+                        </a:spcAft>
+                        <a:buFont typeface="Arial" panose="020B0604020202020204" pitchFamily="34" charset="0"/>
+                        <a:buChar char="•"/>
+                      </a:pPr>
+                      <a:r>
+                        <a:rPr lang="en" sz="1200" dirty="0">
+                          <a:latin typeface="+mn-lt"/>
+                        </a:rPr>
+                        <a:t>Team Members: </a:t>
+                      </a:r>
+                      <a:r>
+                        <a:rPr lang="en-US" sz="1200" dirty="0">
+                          <a:latin typeface="+mn-lt"/>
+                        </a:rPr>
+                        <a:t>Alexis, Ben, Dylan, Jonathan, Kevin, Logan</a:t>
+                      </a:r>
+                    </a:p>
+                    <a:p>
+                      <a:pPr marL="171450" lvl="0" indent="-171450" algn="l" rtl="0">
+                        <a:spcBef>
+                          <a:spcPts val="0"/>
+                        </a:spcBef>
+                        <a:spcAft>
+                          <a:spcPts val="0"/>
+                        </a:spcAft>
+                        <a:buFont typeface="Arial" panose="020B0604020202020204" pitchFamily="34" charset="0"/>
+                        <a:buChar char="•"/>
+                      </a:pPr>
+                      <a:r>
+                        <a:rPr lang="en" sz="1200" dirty="0">
+                          <a:latin typeface="+mn-lt"/>
+                        </a:rPr>
+                        <a:t>Software Title: Goal Getter</a:t>
+                      </a:r>
+                      <a:endParaRPr sz="1200" dirty="0">
+                        <a:latin typeface="+mn-lt"/>
+                      </a:endParaRPr>
+                    </a:p>
+                    <a:p>
+                      <a:pPr marL="171450" lvl="0" indent="-171450" algn="l" rtl="0">
+                        <a:spcBef>
+                          <a:spcPts val="0"/>
+                        </a:spcBef>
+                        <a:spcAft>
+                          <a:spcPts val="0"/>
+                        </a:spcAft>
+                        <a:buFont typeface="Arial" panose="020B0604020202020204" pitchFamily="34" charset="0"/>
+                        <a:buChar char="•"/>
+                      </a:pPr>
+                      <a:r>
+                        <a:rPr lang="en" sz="1200" dirty="0">
+                          <a:latin typeface="+mn-lt"/>
+                        </a:rPr>
+                        <a:t>Language/Framework/Library: Unity, C#, VSCode, Jira, GitHub</a:t>
                       </a:r>
                     </a:p>
                     <a:p>
@@ -5726,11 +5803,9 @@
                         </a:spcAft>
                         <a:buNone/>
                       </a:pPr>
-                      <a:r>
-                        <a:rPr lang="en" sz="1200" dirty="0"/>
-                        <a:t>Team Members:</a:t>
-                      </a:r>
-                      <a:endParaRPr sz="1200" dirty="0"/>
+                      <a:endParaRPr lang="en-US" sz="1200" dirty="0">
+                        <a:latin typeface="+mn-lt"/>
+                      </a:endParaRPr>
                     </a:p>
                     <a:p>
                       <a:pPr marL="0" lvl="0" indent="0" algn="l" rtl="0">
@@ -5742,50 +5817,9 @@
                         </a:spcAft>
                         <a:buNone/>
                       </a:pPr>
-                      <a:r>
-                        <a:rPr lang="en" sz="1200"/>
-                        <a:t>Software Title:</a:t>
-                      </a:r>
-                      <a:endParaRPr sz="1200" dirty="0"/>
-                    </a:p>
-                    <a:p>
-                      <a:pPr marL="0" lvl="0" indent="0" algn="l" rtl="0">
-                        <a:spcBef>
-                          <a:spcPts val="0"/>
-                        </a:spcBef>
-                        <a:spcAft>
-                          <a:spcPts val="0"/>
-                        </a:spcAft>
-                        <a:buNone/>
-                      </a:pPr>
-                      <a:r>
-                        <a:rPr lang="en" sz="1200" dirty="0"/>
-                        <a:t>Language/Framework/Library:</a:t>
-                      </a:r>
-                    </a:p>
-                    <a:p>
-                      <a:pPr marL="0" lvl="0" indent="0" algn="l" rtl="0">
-                        <a:spcBef>
-                          <a:spcPts val="0"/>
-                        </a:spcBef>
-                        <a:spcAft>
-                          <a:spcPts val="0"/>
-                        </a:spcAft>
-                        <a:buNone/>
-                      </a:pPr>
-                      <a:endParaRPr lang="en-US" sz="1200" dirty="0"/>
-                    </a:p>
-                    <a:p>
-                      <a:pPr marL="0" lvl="0" indent="0" algn="l" rtl="0">
-                        <a:spcBef>
-                          <a:spcPts val="0"/>
-                        </a:spcBef>
-                        <a:spcAft>
-                          <a:spcPts val="0"/>
-                        </a:spcAft>
-                        <a:buNone/>
-                      </a:pPr>
-                      <a:endParaRPr sz="1200" dirty="0"/>
+                      <a:endParaRPr sz="1200" dirty="0">
+                        <a:latin typeface="+mn-lt"/>
+                      </a:endParaRPr>
                     </a:p>
                   </a:txBody>
                   <a:tcPr marL="91425" marR="91425" marT="91425" marB="91425"/>
@@ -5805,10 +5839,14 @@
                         <a:buNone/>
                       </a:pPr>
                       <a:r>
-                        <a:rPr lang="en" sz="1200" b="1" u="sng" dirty="0"/>
+                        <a:rPr lang="en" sz="1200" b="1" u="none" dirty="0">
+                          <a:latin typeface="+mn-lt"/>
+                        </a:rPr>
                         <a:t>Accomplishments this Sprint</a:t>
                       </a:r>
-                      <a:endParaRPr sz="1200" b="1" u="sng" dirty="0"/>
+                      <a:endParaRPr sz="1200" b="1" u="none" dirty="0">
+                        <a:latin typeface="+mn-lt"/>
+                      </a:endParaRPr>
                     </a:p>
                     <a:p>
                       <a:pPr marL="0" lvl="0" indent="0" algn="l" rtl="0">
@@ -5820,7 +5858,36 @@
                         </a:spcAft>
                         <a:buNone/>
                       </a:pPr>
-                      <a:endParaRPr sz="1200" b="1" u="sng" dirty="0"/>
+                      <a:endParaRPr sz="1200" b="1" u="sng" dirty="0">
+                        <a:latin typeface="+mn-lt"/>
+                      </a:endParaRPr>
+                    </a:p>
+                    <a:p>
+                      <a:pPr marL="457200" marR="0" lvl="0" indent="-317500" algn="l" defTabSz="914400" rtl="0" eaLnBrk="1" fontAlgn="auto" latinLnBrk="0" hangingPunct="1">
+                        <a:lnSpc>
+                          <a:spcPct val="100000"/>
+                        </a:lnSpc>
+                        <a:spcBef>
+                          <a:spcPts val="0"/>
+                        </a:spcBef>
+                        <a:spcAft>
+                          <a:spcPts val="0"/>
+                        </a:spcAft>
+                        <a:buClr>
+                          <a:srgbClr val="000000"/>
+                        </a:buClr>
+                        <a:buSzPts val="1400"/>
+                        <a:buFont typeface="+mj-lt"/>
+                        <a:buAutoNum type="arabicPeriod"/>
+                        <a:tabLst/>
+                        <a:defRPr/>
+                      </a:pPr>
+                      <a:r>
+                        <a:rPr lang="en-US" sz="1200" dirty="0">
+                          <a:latin typeface="+mn-lt"/>
+                        </a:rPr>
+                        <a:t>Established a communication channel</a:t>
+                      </a:r>
                     </a:p>
                     <a:p>
                       <a:pPr marL="457200" lvl="0" indent="-317500" algn="l" rtl="0">
@@ -5831,13 +5898,15 @@
                           <a:spcPts val="0"/>
                         </a:spcAft>
                         <a:buSzPts val="1400"/>
-                        <a:buChar char="●"/>
+                        <a:buFont typeface="+mj-lt"/>
+                        <a:buAutoNum type="arabicPeriod"/>
                       </a:pPr>
                       <a:r>
-                        <a:rPr lang="en" sz="1200" dirty="0"/>
-                        <a:t>Item 1</a:t>
+                        <a:rPr lang="en-US" sz="1200" dirty="0">
+                          <a:latin typeface="+mn-lt"/>
+                        </a:rPr>
+                        <a:t>Downloaded Unity</a:t>
                       </a:r>
-                      <a:endParaRPr sz="1200" dirty="0"/>
                     </a:p>
                     <a:p>
                       <a:pPr marL="457200" lvl="0" indent="-317500" algn="l" rtl="0">
@@ -5848,13 +5917,18 @@
                           <a:spcPts val="0"/>
                         </a:spcAft>
                         <a:buSzPts val="1400"/>
-                        <a:buChar char="●"/>
+                        <a:buFont typeface="+mj-lt"/>
+                        <a:buAutoNum type="arabicPeriod"/>
                       </a:pPr>
                       <a:r>
-                        <a:rPr lang="en" sz="1200" dirty="0"/>
-                        <a:t>Item 2</a:t>
+                        <a:rPr lang="en-US" sz="1200" dirty="0">
+                          <a:latin typeface="+mn-lt"/>
+                        </a:rPr>
+                        <a:t>Decided on program features</a:t>
                       </a:r>
-                      <a:endParaRPr sz="1200" dirty="0"/>
+                      <a:endParaRPr sz="1200" dirty="0">
+                        <a:latin typeface="+mn-lt"/>
+                      </a:endParaRPr>
                     </a:p>
                     <a:p>
                       <a:pPr marL="457200" lvl="0" indent="-317500" algn="l" rtl="0">
@@ -5865,13 +5939,18 @@
                           <a:spcPts val="0"/>
                         </a:spcAft>
                         <a:buSzPts val="1400"/>
-                        <a:buChar char="●"/>
+                        <a:buFont typeface="+mj-lt"/>
+                        <a:buAutoNum type="arabicPeriod"/>
                       </a:pPr>
                       <a:r>
-                        <a:rPr lang="en" sz="1200" dirty="0"/>
-                        <a:t>Item 3</a:t>
+                        <a:rPr lang="en-US" sz="1200" dirty="0">
+                          <a:latin typeface="+mn-lt"/>
+                        </a:rPr>
+                        <a:t>Had a meeting outside of class</a:t>
                       </a:r>
-                      <a:endParaRPr sz="1200" dirty="0"/>
+                      <a:endParaRPr sz="1200" dirty="0">
+                        <a:latin typeface="+mn-lt"/>
+                      </a:endParaRPr>
                     </a:p>
                     <a:p>
                       <a:pPr marL="457200" lvl="0" indent="-317500" algn="l" rtl="0">
@@ -5882,13 +5961,18 @@
                           <a:spcPts val="0"/>
                         </a:spcAft>
                         <a:buSzPts val="1400"/>
-                        <a:buChar char="●"/>
+                        <a:buFont typeface="+mj-lt"/>
+                        <a:buAutoNum type="arabicPeriod"/>
                       </a:pPr>
                       <a:r>
-                        <a:rPr lang="en" sz="1200" dirty="0"/>
-                        <a:t>Item 4</a:t>
+                        <a:rPr lang="en-US" sz="1200" dirty="0">
+                          <a:latin typeface="+mn-lt"/>
+                        </a:rPr>
+                        <a:t>Began constructing program flowchart</a:t>
                       </a:r>
-                      <a:endParaRPr sz="1200" dirty="0"/>
+                      <a:endParaRPr sz="1200" dirty="0">
+                        <a:latin typeface="+mn-lt"/>
+                      </a:endParaRPr>
                     </a:p>
                     <a:p>
                       <a:pPr marL="457200" lvl="0" indent="-317500" algn="l" rtl="0">
@@ -5899,13 +5983,15 @@
                           <a:spcPts val="0"/>
                         </a:spcAft>
                         <a:buSzPts val="1400"/>
-                        <a:buChar char="●"/>
+                        <a:buFont typeface="+mj-lt"/>
+                        <a:buAutoNum type="arabicPeriod"/>
                       </a:pPr>
                       <a:r>
-                        <a:rPr lang="en" sz="1200" dirty="0"/>
-                        <a:t>…</a:t>
+                        <a:rPr lang="en" sz="1200" dirty="0">
+                          <a:latin typeface="+mn-lt"/>
+                        </a:rPr>
+                        <a:t>Created 2D Unity project file &amp; shared</a:t>
                       </a:r>
-                      <a:endParaRPr sz="1200" dirty="0"/>
                     </a:p>
                   </a:txBody>
                   <a:tcPr marL="91425" marR="91425" marT="91425" marB="91425"/>
@@ -5916,7 +6002,7 @@
                   </a:ext>
                 </a:extLst>
               </a:tr>
-              <a:tr h="381000">
+              <a:tr h="1668341">
                 <a:tc>
                   <a:txBody>
                     <a:bodyPr/>
@@ -5932,17 +6018,19 @@
                         <a:buNone/>
                       </a:pPr>
                       <a:r>
-                        <a:rPr lang="en" sz="1200" b="1" u="sng" dirty="0">
+                        <a:rPr lang="en" sz="1200" b="1" u="none" dirty="0">
                           <a:solidFill>
                             <a:schemeClr val="dk1"/>
                           </a:solidFill>
+                          <a:latin typeface="+mn-lt"/>
                         </a:rPr>
                         <a:t>Current Issues</a:t>
                       </a:r>
-                      <a:endParaRPr sz="1200" b="1" u="sng" dirty="0">
+                      <a:endParaRPr sz="1200" b="1" u="none" dirty="0">
                         <a:solidFill>
                           <a:schemeClr val="dk1"/>
                         </a:solidFill>
+                        <a:latin typeface="+mn-lt"/>
                       </a:endParaRPr>
                     </a:p>
                     <a:p>
@@ -5959,6 +6047,7 @@
                         <a:solidFill>
                           <a:schemeClr val="dk1"/>
                         </a:solidFill>
+                        <a:latin typeface="+mn-lt"/>
                       </a:endParaRPr>
                     </a:p>
                     <a:p>
@@ -5976,17 +6065,19 @@
                         <a:buChar char="●"/>
                       </a:pPr>
                       <a:r>
-                        <a:rPr lang="en" sz="1200" dirty="0">
+                        <a:rPr lang="en-US" sz="1200" dirty="0">
                           <a:solidFill>
                             <a:schemeClr val="dk1"/>
                           </a:solidFill>
+                          <a:latin typeface="+mn-lt"/>
                         </a:rPr>
-                        <a:t>Item 1</a:t>
+                        <a:t>Finding templates for game from Unity</a:t>
                       </a:r>
                       <a:endParaRPr sz="1200" dirty="0">
                         <a:solidFill>
                           <a:schemeClr val="dk1"/>
                         </a:solidFill>
+                        <a:latin typeface="+mn-lt"/>
                       </a:endParaRPr>
                     </a:p>
                     <a:p>
@@ -6004,17 +6095,19 @@
                         <a:buChar char="●"/>
                       </a:pPr>
                       <a:r>
-                        <a:rPr lang="en" sz="1200" dirty="0">
+                        <a:rPr lang="en-US" sz="1200" dirty="0">
                           <a:solidFill>
                             <a:schemeClr val="dk1"/>
                           </a:solidFill>
+                          <a:latin typeface="+mn-lt"/>
                         </a:rPr>
-                        <a:t>Item 2</a:t>
+                        <a:t>Learning to tools of Unity</a:t>
                       </a:r>
                       <a:endParaRPr sz="1200" dirty="0">
                         <a:solidFill>
                           <a:schemeClr val="dk1"/>
                         </a:solidFill>
+                        <a:latin typeface="+mn-lt"/>
                       </a:endParaRPr>
                     </a:p>
                     <a:p>
@@ -6032,88 +6125,19 @@
                         <a:buChar char="●"/>
                       </a:pPr>
                       <a:r>
-                        <a:rPr lang="en" sz="1200" dirty="0">
+                        <a:rPr lang="en-US" sz="1200" dirty="0">
                           <a:solidFill>
                             <a:schemeClr val="dk1"/>
                           </a:solidFill>
+                          <a:latin typeface="+mn-lt"/>
                         </a:rPr>
-                        <a:t>Item 3</a:t>
+                        <a:t>How to view shared project on Unity</a:t>
                       </a:r>
-                      <a:endParaRPr sz="1200" dirty="0">
-                        <a:solidFill>
-                          <a:schemeClr val="dk1"/>
-                        </a:solidFill>
-                      </a:endParaRPr>
-                    </a:p>
-                    <a:p>
-                      <a:pPr marL="457200" lvl="0" indent="-317500" algn="l" rtl="0">
-                        <a:spcBef>
-                          <a:spcPts val="0"/>
-                        </a:spcBef>
-                        <a:spcAft>
-                          <a:spcPts val="0"/>
-                        </a:spcAft>
-                        <a:buClr>
-                          <a:schemeClr val="dk1"/>
-                        </a:buClr>
-                        <a:buSzPts val="1400"/>
-                        <a:buChar char="●"/>
-                      </a:pPr>
-                      <a:r>
-                        <a:rPr lang="en" sz="1200" dirty="0">
-                          <a:solidFill>
-                            <a:schemeClr val="dk1"/>
-                          </a:solidFill>
-                        </a:rPr>
-                        <a:t>Item 4</a:t>
-                      </a:r>
-                      <a:endParaRPr sz="1200" dirty="0">
-                        <a:solidFill>
-                          <a:schemeClr val="dk1"/>
-                        </a:solidFill>
-                      </a:endParaRPr>
-                    </a:p>
-                    <a:p>
-                      <a:pPr marL="457200" lvl="0" indent="-317500" algn="l" rtl="0">
-                        <a:spcBef>
-                          <a:spcPts val="0"/>
-                        </a:spcBef>
-                        <a:spcAft>
-                          <a:spcPts val="0"/>
-                        </a:spcAft>
-                        <a:buClr>
-                          <a:schemeClr val="dk1"/>
-                        </a:buClr>
-                        <a:buSzPts val="1400"/>
-                        <a:buChar char="●"/>
-                      </a:pPr>
-                      <a:r>
-                        <a:rPr lang="en" sz="1200" dirty="0">
-                          <a:solidFill>
-                            <a:schemeClr val="dk1"/>
-                          </a:solidFill>
-                        </a:rPr>
-                        <a:t>…</a:t>
-                      </a:r>
-                    </a:p>
-                    <a:p>
-                      <a:pPr marL="139700" lvl="0" indent="0" algn="l" rtl="0">
-                        <a:spcBef>
-                          <a:spcPts val="0"/>
-                        </a:spcBef>
-                        <a:spcAft>
-                          <a:spcPts val="0"/>
-                        </a:spcAft>
-                        <a:buClr>
-                          <a:schemeClr val="dk1"/>
-                        </a:buClr>
-                        <a:buSzPts val="1400"/>
-                        <a:buNone/>
-                      </a:pPr>
                       <a:endParaRPr lang="en" sz="1200" dirty="0">
                         <a:solidFill>
                           <a:schemeClr val="dk1"/>
                         </a:solidFill>
+                        <a:latin typeface="+mn-lt"/>
                       </a:endParaRPr>
                     </a:p>
                     <a:p>
@@ -6134,6 +6158,7 @@
                         <a:solidFill>
                           <a:schemeClr val="dk1"/>
                         </a:solidFill>
+                        <a:latin typeface="+mn-lt"/>
                       </a:endParaRPr>
                     </a:p>
                   </a:txBody>
@@ -6154,10 +6179,14 @@
                         <a:buNone/>
                       </a:pPr>
                       <a:r>
-                        <a:rPr lang="en" sz="1200" b="1" u="sng" dirty="0"/>
+                        <a:rPr lang="en" sz="1200" b="1" u="none" dirty="0">
+                          <a:latin typeface="+mn-lt"/>
+                        </a:rPr>
                         <a:t>Plan for Next Sprint</a:t>
                       </a:r>
-                      <a:endParaRPr sz="1200" b="1" u="sng" dirty="0"/>
+                      <a:endParaRPr sz="1200" b="1" u="none" dirty="0">
+                        <a:latin typeface="+mn-lt"/>
+                      </a:endParaRPr>
                     </a:p>
                     <a:p>
                       <a:pPr marL="0" lvl="0" indent="0" algn="l" rtl="0">
@@ -6169,7 +6198,9 @@
                         </a:spcAft>
                         <a:buNone/>
                       </a:pPr>
-                      <a:endParaRPr sz="1200" b="1" u="sng" dirty="0"/>
+                      <a:endParaRPr sz="1200" b="1" u="sng" dirty="0">
+                        <a:latin typeface="+mn-lt"/>
+                      </a:endParaRPr>
                     </a:p>
                     <a:p>
                       <a:pPr marL="457200" lvl="0" indent="-317500" algn="l" rtl="0">
@@ -6183,10 +6214,11 @@
                         <a:buChar char="●"/>
                       </a:pPr>
                       <a:r>
-                        <a:rPr lang="en" sz="1200" dirty="0"/>
-                        <a:t>Item 1</a:t>
+                        <a:rPr lang="en-US" sz="1200" dirty="0">
+                          <a:latin typeface="+mn-lt"/>
+                        </a:rPr>
+                        <a:t>Organization of classes (bottom-level)</a:t>
                       </a:r>
-                      <a:endParaRPr sz="1200" dirty="0"/>
                     </a:p>
                     <a:p>
                       <a:pPr marL="457200" lvl="0" indent="-317500" algn="l" rtl="0">
@@ -6200,10 +6232,14 @@
                         <a:buChar char="●"/>
                       </a:pPr>
                       <a:r>
-                        <a:rPr lang="en" sz="1200" dirty="0"/>
-                        <a:t>Item 2</a:t>
+                        <a:rPr lang="en-US" sz="1200" dirty="0">
+                          <a:latin typeface="+mn-lt"/>
+                        </a:rPr>
+                        <a:t>Class diagrams &amp; structure chart</a:t>
                       </a:r>
-                      <a:endParaRPr sz="1200" dirty="0"/>
+                      <a:endParaRPr sz="1200" dirty="0">
+                        <a:latin typeface="+mn-lt"/>
+                      </a:endParaRPr>
                     </a:p>
                     <a:p>
                       <a:pPr marL="457200" lvl="0" indent="-317500" algn="l" rtl="0">
@@ -6217,10 +6253,14 @@
                         <a:buChar char="●"/>
                       </a:pPr>
                       <a:r>
-                        <a:rPr lang="en" sz="1200" dirty="0"/>
-                        <a:t>Item 3</a:t>
+                        <a:rPr lang="en-US" sz="1200" dirty="0">
+                          <a:latin typeface="+mn-lt"/>
+                        </a:rPr>
+                        <a:t>Solve Unity organization errors</a:t>
                       </a:r>
-                      <a:endParaRPr sz="1200" dirty="0"/>
+                      <a:endParaRPr sz="1200" dirty="0">
+                        <a:latin typeface="+mn-lt"/>
+                      </a:endParaRPr>
                     </a:p>
                     <a:p>
                       <a:pPr marL="457200" lvl="0" indent="-317500" algn="l" rtl="0">
@@ -6234,27 +6274,14 @@
                         <a:buChar char="●"/>
                       </a:pPr>
                       <a:r>
-                        <a:rPr lang="en" sz="1200" dirty="0"/>
-                        <a:t>Item 4</a:t>
+                        <a:rPr lang="en" sz="1200" dirty="0">
+                          <a:latin typeface="+mn-lt"/>
+                        </a:rPr>
+                        <a:t>Pseudocode</a:t>
                       </a:r>
-                      <a:endParaRPr sz="1200" dirty="0"/>
-                    </a:p>
-                    <a:p>
-                      <a:pPr marL="457200" lvl="0" indent="-317500" algn="l" rtl="0">
-                        <a:spcBef>
-                          <a:spcPts val="0"/>
-                        </a:spcBef>
-                        <a:spcAft>
-                          <a:spcPts val="0"/>
-                        </a:spcAft>
-                        <a:buSzPts val="1400"/>
-                        <a:buChar char="●"/>
-                      </a:pPr>
-                      <a:r>
-                        <a:rPr lang="en" sz="1200" dirty="0"/>
-                        <a:t>…</a:t>
-                      </a:r>
-                      <a:endParaRPr sz="1200" dirty="0"/>
+                      <a:endParaRPr sz="1200" dirty="0">
+                        <a:latin typeface="+mn-lt"/>
+                      </a:endParaRPr>
                     </a:p>
                   </a:txBody>
                   <a:tcPr marL="91425" marR="91425" marT="91425" marB="91425"/>
